--- a/ConnectorActionableMsgs/03 Adaptive Cards/01 Adaptive Cards and Actionable Messages.pptx
+++ b/ConnectorActionableMsgs/03 Adaptive Cards/01 Adaptive Cards and Actionable Messages.pptx
@@ -123,7 +123,7 @@
   <p:extLst>
     <p:ext uri="{521415D9-36F7-43E2-AB2F-B90AF26B5E84}">
       <p14:sectionLst xmlns:p14="http://schemas.microsoft.com/office/powerpoint/2010/main">
-        <p14:section name="Card Design &amp; MessageCard Playground" id="{7E829F76-CD83-44A3-B3F7-007301260BD8}">
+        <p14:section name="Adaptive Cards &amp; Actionable Messages" id="{7E829F76-CD83-44A3-B3F7-007301260BD8}">
           <p14:sldIdLst>
             <p14:sldId id="257"/>
             <p14:sldId id="306"/>
@@ -257,7 +257,7 @@
               <a:rPr lang="en-US" smtClean="0">
                 <a:latin typeface="Segoe UI" pitchFamily="34" charset="0"/>
               </a:rPr>
-              <a:t>6/5/2018 7:34 PM</a:t>
+              <a:t>6/6/2018 7:06 PM</a:t>
             </a:fld>
             <a:endParaRPr lang="en-US" dirty="0">
               <a:latin typeface="Segoe UI" pitchFamily="34" charset="0"/>
@@ -551,7 +551,7 @@
           <a:p>
             <a:fld id="{D18B56EA-E28F-4F92-9F16-7A6F2501B303}" type="datetime8">
               <a:rPr lang="en-US" smtClean="0"/>
-              <a:t>6/5/2018 7:30 PM</a:t>
+              <a:t>6/6/2018 6:47 PM</a:t>
             </a:fld>
             <a:endParaRPr lang="en-US" dirty="0"/>
           </a:p>
@@ -934,7 +934,7 @@
           <a:p>
             <a:fld id="{D18B56EA-E28F-4F92-9F16-7A6F2501B303}" type="datetime8">
               <a:rPr lang="en-US" smtClean="0"/>
-              <a:t>6/5/2018 7:30 PM</a:t>
+              <a:t>6/6/2018 6:47 PM</a:t>
             </a:fld>
             <a:endParaRPr lang="en-US" dirty="0"/>
           </a:p>
@@ -1220,7 +1220,7 @@
                 <a:tabLst/>
                 <a:defRPr/>
               </a:pPr>
-              <a:t>6/5/2018 7:30 PM</a:t>
+              <a:t>6/6/2018 6:47 PM</a:t>
             </a:fld>
             <a:endParaRPr kumimoji="0" lang="en-US" sz="1200" b="0" i="0" u="none" strike="noStrike" kern="1200" cap="none" spc="0" normalizeH="0" baseline="0" noProof="0" dirty="0">
               <a:ln>
@@ -1484,7 +1484,7 @@
           <a:p>
             <a:fld id="{D18B56EA-E28F-4F92-9F16-7A6F2501B303}" type="datetime8">
               <a:rPr lang="en-US" smtClean="0"/>
-              <a:t>6/5/2018 7:30 PM</a:t>
+              <a:t>6/6/2018 6:47 PM</a:t>
             </a:fld>
             <a:endParaRPr lang="en-US" dirty="0"/>
           </a:p>
@@ -1668,7 +1668,7 @@
           <a:p>
             <a:fld id="{D18B56EA-E28F-4F92-9F16-7A6F2501B303}" type="datetime8">
               <a:rPr lang="en-US" smtClean="0"/>
-              <a:t>6/5/2018 7:30 PM</a:t>
+              <a:t>6/6/2018 6:47 PM</a:t>
             </a:fld>
             <a:endParaRPr lang="en-US" dirty="0"/>
           </a:p>
@@ -1852,7 +1852,7 @@
           <a:p>
             <a:fld id="{D18B56EA-E28F-4F92-9F16-7A6F2501B303}" type="datetime8">
               <a:rPr lang="en-US" smtClean="0"/>
-              <a:t>6/5/2018 9:16 PM</a:t>
+              <a:t>6/6/2018 6:47 PM</a:t>
             </a:fld>
             <a:endParaRPr lang="en-US" dirty="0"/>
           </a:p>
@@ -2033,7 +2033,7 @@
           <a:p>
             <a:fld id="{D18B56EA-E28F-4F92-9F16-7A6F2501B303}" type="datetime8">
               <a:rPr lang="en-US" smtClean="0"/>
-              <a:t>6/5/2018 7:30 PM</a:t>
+              <a:t>6/6/2018 6:47 PM</a:t>
             </a:fld>
             <a:endParaRPr lang="en-US" dirty="0"/>
           </a:p>
@@ -2214,7 +2214,7 @@
           <a:p>
             <a:fld id="{D18B56EA-E28F-4F92-9F16-7A6F2501B303}" type="datetime8">
               <a:rPr lang="en-US" smtClean="0"/>
-              <a:t>6/5/2018 7:30 PM</a:t>
+              <a:t>6/6/2018 6:47 PM</a:t>
             </a:fld>
             <a:endParaRPr lang="en-US" dirty="0"/>
           </a:p>
@@ -2395,7 +2395,7 @@
           <a:p>
             <a:fld id="{D18B56EA-E28F-4F92-9F16-7A6F2501B303}" type="datetime8">
               <a:rPr lang="en-US" smtClean="0"/>
-              <a:t>6/5/2018 7:30 PM</a:t>
+              <a:t>6/6/2018 6:47 PM</a:t>
             </a:fld>
             <a:endParaRPr lang="en-US" dirty="0"/>
           </a:p>
@@ -15645,7 +15645,7 @@
           <a:p>
             <a:r>
               <a:rPr lang="en-US" dirty="0"/>
-              <a:t>Outlook-specific Adaptive Card properties and features</a:t>
+              <a:t>Actionable Messages with Adaptive Cards </a:t>
             </a:r>
           </a:p>
         </p:txBody>
@@ -15668,17 +15668,21 @@
         </p:nvSpPr>
         <p:spPr>
           <a:xfrm>
-            <a:off x="465138" y="1919804"/>
-            <a:ext cx="7604125" cy="615553"/>
+            <a:off x="465138" y="1548725"/>
+            <a:ext cx="11533187" cy="585097"/>
           </a:xfrm>
+          <a:solidFill>
+            <a:srgbClr val="EEE9F8"/>
+          </a:solidFill>
         </p:spPr>
         <p:txBody>
           <a:bodyPr/>
           <a:lstStyle/>
           <a:p>
-            <a:r>
-              <a:rPr lang="en-US" dirty="0"/>
-              <a:t>Outlook introduces a set of additional Adaptive Card properties and features for use in the context of Actionable Messages.</a:t>
+            <a:pPr marL="548640"/>
+            <a:r>
+              <a:rPr lang="en-US" sz="1400" dirty="0"/>
+              <a:t>You can send actionable messages to yourself using the Office 365 SMTP server or the Microsoft Graph. You will be unable to send actionable messages to any other user until you have registered using the actionable messages developer dashboard.</a:t>
             </a:r>
           </a:p>
         </p:txBody>
@@ -15702,7 +15706,7 @@
         <p:spPr>
           <a:xfrm>
             <a:off x="465138" y="3214124"/>
-            <a:ext cx="3690937" cy="1252522"/>
+            <a:ext cx="3690937" cy="1829603"/>
           </a:xfrm>
         </p:spPr>
         <p:txBody>
@@ -15710,12 +15714,18 @@
           <a:lstStyle/>
           <a:p>
             <a:r>
-              <a:rPr lang="en-US" sz="2000" dirty="0" err="1"/>
-              <a:t>Input.Time</a:t>
-            </a:r>
-            <a:r>
-              <a:rPr lang="en-US" sz="2000" dirty="0"/>
-              <a:t> is not supported</a:t>
+              <a:rPr lang="en-US" sz="1800" dirty="0"/>
+              <a:t>Set </a:t>
+            </a:r>
+            <a:r>
+              <a:rPr lang="en-US" sz="1800" dirty="0" err="1">
+                <a:latin typeface="Consolas" panose="020B0609020204030204" pitchFamily="49" charset="0"/>
+              </a:rPr>
+              <a:t>hideOriginalBody</a:t>
+            </a:r>
+            <a:r>
+              <a:rPr lang="en-US" sz="1800" dirty="0"/>
+              <a:t> property</a:t>
             </a:r>
           </a:p>
           <a:p>
@@ -15725,39 +15735,17 @@
                   <a:schemeClr val="tx1"/>
                 </a:solidFill>
               </a:rPr>
-              <a:t>If you include an </a:t>
-            </a:r>
-            <a:r>
-              <a:rPr lang="en-US" b="0" dirty="0" err="1">
-                <a:solidFill>
-                  <a:schemeClr val="tx1"/>
-                </a:solidFill>
-              </a:rPr>
-              <a:t>Input.Time</a:t>
-            </a:r>
+              <a:t>The message body should be added, but hidden if the card contains all the information the user needs. Body is shown if host does not support cards.</a:t>
+            </a:r>
+          </a:p>
+          <a:p>
             <a:r>
               <a:rPr lang="en-US" b="0" dirty="0">
                 <a:solidFill>
                   <a:schemeClr val="tx1"/>
                 </a:solidFill>
               </a:rPr>
-              <a:t> element in your card, it will not be displayed. If you need to allow users to input a time, use an </a:t>
-            </a:r>
-            <a:r>
-              <a:rPr lang="en-US" b="0" dirty="0" err="1">
-                <a:solidFill>
-                  <a:schemeClr val="tx1"/>
-                </a:solidFill>
-              </a:rPr>
-              <a:t>Input.Text</a:t>
-            </a:r>
-            <a:r>
-              <a:rPr lang="en-US" b="0" dirty="0">
-                <a:solidFill>
-                  <a:schemeClr val="tx1"/>
-                </a:solidFill>
-              </a:rPr>
-              <a:t> instead and validate its value server-side.</a:t>
+              <a:t>Cards are not included in replies or forwards of email.</a:t>
             </a:r>
           </a:p>
         </p:txBody>
@@ -15781,7 +15769,7 @@
         <p:spPr>
           <a:xfrm>
             <a:off x="4399597" y="3223704"/>
-            <a:ext cx="3669666" cy="3330014"/>
+            <a:ext cx="3669666" cy="1523366"/>
           </a:xfrm>
         </p:spPr>
         <p:txBody>
@@ -15789,107 +15777,45 @@
           <a:lstStyle/>
           <a:p>
             <a:r>
-              <a:rPr lang="en-US" sz="2000" dirty="0"/>
-              <a:t>Differences in Action elements</a:t>
-            </a:r>
-          </a:p>
-          <a:p>
-            <a:r>
-              <a:rPr lang="en-US" b="0" dirty="0" err="1">
-                <a:solidFill>
-                  <a:schemeClr val="tx1"/>
-                </a:solidFill>
-              </a:rPr>
-              <a:t>Action.Submit</a:t>
-            </a:r>
+              <a:rPr lang="en-US" sz="1800" dirty="0"/>
+              <a:t>Card (json) is wrapped in &lt;script&gt;</a:t>
+            </a:r>
+          </a:p>
+          <a:p>
             <a:r>
               <a:rPr lang="en-US" b="0" dirty="0">
                 <a:solidFill>
                   <a:schemeClr val="tx1"/>
                 </a:solidFill>
               </a:rPr>
-              <a:t> is not supported</a:t>
-            </a:r>
-          </a:p>
-          <a:p>
-            <a:r>
-              <a:rPr lang="en-US" b="0" dirty="0"/>
-              <a:t>Additional Action types</a:t>
-            </a:r>
-          </a:p>
-          <a:p>
-            <a:r>
-              <a:rPr lang="en-US" b="0" dirty="0" err="1">
+              <a:t>Script tag must have type:</a:t>
+            </a:r>
+          </a:p>
+          <a:p>
+            <a:pPr marL="171450" lvl="2"/>
+            <a:r>
+              <a:rPr lang="en-US" sz="1600" b="0" dirty="0">
                 <a:solidFill>
                   <a:schemeClr val="tx1"/>
                 </a:solidFill>
+                <a:latin typeface="Consolas" panose="020B0609020204030204" pitchFamily="49" charset="0"/>
               </a:rPr>
-              <a:t>Action.Http</a:t>
-            </a:r>
-            <a:endParaRPr lang="en-US" b="0" dirty="0">
+              <a:t>application/</a:t>
+            </a:r>
+            <a:r>
+              <a:rPr lang="en-US" sz="1600" b="0" dirty="0" err="1">
+                <a:solidFill>
+                  <a:schemeClr val="tx1"/>
+                </a:solidFill>
+                <a:latin typeface="Consolas" panose="020B0609020204030204" pitchFamily="49" charset="0"/>
+              </a:rPr>
+              <a:t>adaptivecard+json</a:t>
+            </a:r>
+            <a:endParaRPr lang="en-US" sz="1600" b="0" dirty="0">
               <a:solidFill>
                 <a:schemeClr val="tx1"/>
               </a:solidFill>
-            </a:endParaRPr>
-          </a:p>
-          <a:p>
-            <a:r>
-              <a:rPr lang="en-US" b="0" dirty="0" err="1">
-                <a:solidFill>
-                  <a:schemeClr val="tx1"/>
-                </a:solidFill>
-              </a:rPr>
-              <a:t>Action.InvokeAddInCommand</a:t>
-            </a:r>
-            <a:endParaRPr lang="en-US" b="0" dirty="0">
-              <a:solidFill>
-                <a:schemeClr val="tx1"/>
-              </a:solidFill>
-            </a:endParaRPr>
-          </a:p>
-          <a:p>
-            <a:r>
-              <a:rPr lang="en-US" b="0" dirty="0" err="1">
-                <a:solidFill>
-                  <a:schemeClr val="tx1"/>
-                </a:solidFill>
-              </a:rPr>
-              <a:t>Action.DisplayMessageForm</a:t>
-            </a:r>
-            <a:endParaRPr lang="en-US" b="0" dirty="0">
-              <a:solidFill>
-                <a:schemeClr val="tx1"/>
-              </a:solidFill>
-            </a:endParaRPr>
-          </a:p>
-          <a:p>
-            <a:r>
-              <a:rPr lang="en-US" b="0" dirty="0" err="1">
-                <a:solidFill>
-                  <a:schemeClr val="tx1"/>
-                </a:solidFill>
-              </a:rPr>
-              <a:t>Action.ToggleVisibility</a:t>
-            </a:r>
-            <a:endParaRPr lang="en-US" b="0" dirty="0">
-              <a:solidFill>
-                <a:schemeClr val="tx1"/>
-              </a:solidFill>
-            </a:endParaRPr>
-          </a:p>
-          <a:p>
-            <a:r>
-              <a:rPr lang="en-US" b="0" dirty="0" err="1">
-                <a:solidFill>
-                  <a:schemeClr val="tx1"/>
-                </a:solidFill>
-              </a:rPr>
-              <a:t>Action.Transaction</a:t>
-            </a:r>
-            <a:endParaRPr lang="en-US" b="0" dirty="0">
-              <a:solidFill>
-                <a:schemeClr val="tx1"/>
-              </a:solidFill>
+              <a:latin typeface="Consolas" panose="020B0609020204030204" pitchFamily="49" charset="0"/>
             </a:endParaRPr>
           </a:p>
           <a:p>
@@ -15927,7 +15853,7 @@
         <p:spPr>
           <a:xfrm>
             <a:off x="8303577" y="3214124"/>
-            <a:ext cx="3694748" cy="1829603"/>
+            <a:ext cx="3694748" cy="1598771"/>
           </a:xfrm>
         </p:spPr>
         <p:txBody>
@@ -15935,26 +15861,18 @@
           <a:lstStyle/>
           <a:p>
             <a:r>
-              <a:rPr lang="en-US" sz="2000" dirty="0"/>
-              <a:t>Additional Properties</a:t>
-            </a:r>
-          </a:p>
-          <a:p>
-            <a:r>
-              <a:rPr lang="en-US" b="0" dirty="0" err="1">
-                <a:solidFill>
-                  <a:schemeClr val="tx1"/>
-                </a:solidFill>
-              </a:rPr>
-              <a:t>AdaptiveCard</a:t>
-            </a:r>
+              <a:rPr lang="en-US" sz="1800" dirty="0"/>
+              <a:t>&lt;script&gt; is added to &lt;head&gt;</a:t>
+            </a:r>
+          </a:p>
+          <a:p>
             <a:r>
               <a:rPr lang="en-US" b="0" dirty="0">
                 <a:solidFill>
                   <a:schemeClr val="tx1"/>
                 </a:solidFill>
               </a:rPr>
-              <a:t> element properties for security &amp; display in Outlook</a:t>
+              <a:t>Message body is an HTML document.</a:t>
             </a:r>
           </a:p>
           <a:p>
@@ -15964,17 +15882,68 @@
                   <a:schemeClr val="tx1"/>
                 </a:solidFill>
               </a:rPr>
-              <a:t>Column formatting</a:t>
-            </a:r>
-          </a:p>
-          <a:p>
+              <a:t>Adaptive card is in </a:t>
+            </a:r>
+            <a:r>
+              <a:rPr lang="en-US" b="0" dirty="0">
+                <a:solidFill>
+                  <a:schemeClr val="tx1"/>
+                </a:solidFill>
+                <a:latin typeface="Consolas" panose="020B0609020204030204" pitchFamily="49" charset="0"/>
+              </a:rPr>
+              <a:t>&lt;</a:t>
+            </a:r>
+            <a:r>
+              <a:rPr lang="en-US" b="0">
+                <a:solidFill>
+                  <a:schemeClr val="tx1"/>
+                </a:solidFill>
+                <a:latin typeface="Consolas" panose="020B0609020204030204" pitchFamily="49" charset="0"/>
+              </a:rPr>
+              <a:t>head&gt;</a:t>
+            </a:r>
+            <a:r>
+              <a:rPr lang="en-US" b="0">
+                <a:solidFill>
+                  <a:schemeClr val="tx1"/>
+                </a:solidFill>
+              </a:rPr>
+              <a:t> element</a:t>
+            </a:r>
             <a:r>
               <a:rPr lang="en-US" b="0" dirty="0">
                 <a:solidFill>
                   <a:schemeClr val="tx1"/>
                 </a:solidFill>
               </a:rPr>
-              <a:t>Container alignment/background</a:t>
+              <a:t>.</a:t>
+            </a:r>
+          </a:p>
+          <a:p>
+            <a:r>
+              <a:rPr lang="en-US" b="0" dirty="0">
+                <a:solidFill>
+                  <a:schemeClr val="tx1"/>
+                </a:solidFill>
+              </a:rPr>
+              <a:t>Message body is in </a:t>
+            </a:r>
+            <a:r>
+              <a:rPr lang="en-US" b="0" dirty="0">
+                <a:solidFill>
+                  <a:schemeClr val="tx1"/>
+                </a:solidFill>
+                <a:latin typeface="Consolas" panose="020B0609020204030204" pitchFamily="49" charset="0"/>
+              </a:rPr>
+              <a:t>&lt;body&gt;</a:t>
+            </a:r>
+            <a:r>
+              <a:rPr lang="en-US" b="0" dirty="0">
+                <a:solidFill>
+                  <a:schemeClr val="tx1"/>
+                </a:solidFill>
+              </a:rPr>
+              <a:t> of document.</a:t>
             </a:r>
           </a:p>
           <a:p>
@@ -15982,6 +15951,42 @@
           </a:p>
         </p:txBody>
       </p:sp>
+      <p:pic>
+        <p:nvPicPr>
+          <p:cNvPr id="5" name="Graphic 4" descr="Information">
+            <a:extLst>
+              <a:ext uri="{FF2B5EF4-FFF2-40B4-BE49-F238E27FC236}">
+                <a16:creationId xmlns:a16="http://schemas.microsoft.com/office/drawing/2014/main" id="{95480CDE-5F81-4DE7-A38D-DA0ED0100B0E}"/>
+              </a:ext>
+            </a:extLst>
+          </p:cNvPr>
+          <p:cNvPicPr>
+            <a:picLocks noChangeAspect="1"/>
+          </p:cNvPicPr>
+          <p:nvPr/>
+        </p:nvPicPr>
+        <p:blipFill>
+          <a:blip r:embed="rId2">
+            <a:extLst>
+              <a:ext uri="{96DAC541-7B7A-43D3-8B79-37D633B846F1}">
+                <asvg:svgBlip xmlns:asvg="http://schemas.microsoft.com/office/drawing/2016/SVG/main" r:embed="rId3"/>
+              </a:ext>
+            </a:extLst>
+          </a:blip>
+          <a:stretch>
+            <a:fillRect/>
+          </a:stretch>
+        </p:blipFill>
+        <p:spPr>
+          <a:xfrm>
+            <a:off x="438150" y="1553444"/>
+            <a:ext cx="585097" cy="585097"/>
+          </a:xfrm>
+          <a:prstGeom prst="rect">
+            <a:avLst/>
+          </a:prstGeom>
+        </p:spPr>
+      </p:pic>
     </p:spTree>
     <p:extLst>
       <p:ext uri="{BB962C8B-B14F-4D97-AF65-F5344CB8AC3E}">
